--- a/talks/forward_secrecy.pptx
+++ b/talks/forward_secrecy.pptx
@@ -302,7 +302,7 @@
           <a:p>
             <a:fld id="{4E1F197E-111B-6C49-BB57-52E42B8DE5B1}" type="datetimeFigureOut">
               <a:rPr lang="en-US" smtClean="0"/>
-              <a:t>6/13/16</a:t>
+              <a:t>6/21/16</a:t>
             </a:fld>
             <a:endParaRPr lang="en-US"/>
           </a:p>
@@ -472,7 +472,7 @@
           <a:p>
             <a:fld id="{4E1F197E-111B-6C49-BB57-52E42B8DE5B1}" type="datetimeFigureOut">
               <a:rPr lang="en-US" smtClean="0"/>
-              <a:t>6/13/16</a:t>
+              <a:t>6/21/16</a:t>
             </a:fld>
             <a:endParaRPr lang="en-US"/>
           </a:p>
@@ -652,7 +652,7 @@
           <a:p>
             <a:fld id="{4E1F197E-111B-6C49-BB57-52E42B8DE5B1}" type="datetimeFigureOut">
               <a:rPr lang="en-US" smtClean="0"/>
-              <a:t>6/13/16</a:t>
+              <a:t>6/21/16</a:t>
             </a:fld>
             <a:endParaRPr lang="en-US"/>
           </a:p>
@@ -822,7 +822,7 @@
           <a:p>
             <a:fld id="{4E1F197E-111B-6C49-BB57-52E42B8DE5B1}" type="datetimeFigureOut">
               <a:rPr lang="en-US" smtClean="0"/>
-              <a:t>6/13/16</a:t>
+              <a:t>6/21/16</a:t>
             </a:fld>
             <a:endParaRPr lang="en-US"/>
           </a:p>
@@ -1068,7 +1068,7 @@
           <a:p>
             <a:fld id="{4E1F197E-111B-6C49-BB57-52E42B8DE5B1}" type="datetimeFigureOut">
               <a:rPr lang="en-US" smtClean="0"/>
-              <a:t>6/13/16</a:t>
+              <a:t>6/21/16</a:t>
             </a:fld>
             <a:endParaRPr lang="en-US"/>
           </a:p>
@@ -1356,7 +1356,7 @@
           <a:p>
             <a:fld id="{4E1F197E-111B-6C49-BB57-52E42B8DE5B1}" type="datetimeFigureOut">
               <a:rPr lang="en-US" smtClean="0"/>
-              <a:t>6/13/16</a:t>
+              <a:t>6/21/16</a:t>
             </a:fld>
             <a:endParaRPr lang="en-US"/>
           </a:p>
@@ -1778,7 +1778,7 @@
           <a:p>
             <a:fld id="{4E1F197E-111B-6C49-BB57-52E42B8DE5B1}" type="datetimeFigureOut">
               <a:rPr lang="en-US" smtClean="0"/>
-              <a:t>6/13/16</a:t>
+              <a:t>6/21/16</a:t>
             </a:fld>
             <a:endParaRPr lang="en-US"/>
           </a:p>
@@ -1896,7 +1896,7 @@
           <a:p>
             <a:fld id="{4E1F197E-111B-6C49-BB57-52E42B8DE5B1}" type="datetimeFigureOut">
               <a:rPr lang="en-US" smtClean="0"/>
-              <a:t>6/13/16</a:t>
+              <a:t>6/21/16</a:t>
             </a:fld>
             <a:endParaRPr lang="en-US"/>
           </a:p>
@@ -1991,7 +1991,7 @@
           <a:p>
             <a:fld id="{4E1F197E-111B-6C49-BB57-52E42B8DE5B1}" type="datetimeFigureOut">
               <a:rPr lang="en-US" smtClean="0"/>
-              <a:t>6/13/16</a:t>
+              <a:t>6/21/16</a:t>
             </a:fld>
             <a:endParaRPr lang="en-US"/>
           </a:p>
@@ -2268,7 +2268,7 @@
           <a:p>
             <a:fld id="{4E1F197E-111B-6C49-BB57-52E42B8DE5B1}" type="datetimeFigureOut">
               <a:rPr lang="en-US" smtClean="0"/>
-              <a:t>6/13/16</a:t>
+              <a:t>6/21/16</a:t>
             </a:fld>
             <a:endParaRPr lang="en-US"/>
           </a:p>
@@ -2521,7 +2521,7 @@
           <a:p>
             <a:fld id="{4E1F197E-111B-6C49-BB57-52E42B8DE5B1}" type="datetimeFigureOut">
               <a:rPr lang="en-US" smtClean="0"/>
-              <a:t>6/13/16</a:t>
+              <a:t>6/21/16</a:t>
             </a:fld>
             <a:endParaRPr lang="en-US"/>
           </a:p>
@@ -2734,7 +2734,7 @@
           <a:p>
             <a:fld id="{4E1F197E-111B-6C49-BB57-52E42B8DE5B1}" type="datetimeFigureOut">
               <a:rPr lang="en-US" smtClean="0"/>
-              <a:t>6/13/16</a:t>
+              <a:t>6/21/16</a:t>
             </a:fld>
             <a:endParaRPr lang="en-US"/>
           </a:p>
@@ -3194,6 +3194,13 @@
   <p:clrMapOvr>
     <a:masterClrMapping/>
   </p:clrMapOvr>
+  <p:timing>
+    <p:tnLst>
+      <p:par>
+        <p:cTn xmlns:p14="http://schemas.microsoft.com/office/powerpoint/2010/main" id="1" dur="indefinite" restart="never" nodeType="tmRoot"/>
+      </p:par>
+    </p:tnLst>
+  </p:timing>
 </p:sld>
 </file>
 
@@ -3273,7 +3280,15 @@
             </a:pPr>
             <a:r>
               <a:rPr lang="en-US" dirty="0" smtClean="0"/>
-              <a:t>Transferring encrypted data at rest</a:t>
+              <a:t>Transferring </a:t>
+            </a:r>
+            <a:r>
+              <a:rPr lang="en-US" dirty="0" smtClean="0"/>
+              <a:t>encrypted data </a:t>
+            </a:r>
+            <a:r>
+              <a:rPr lang="en-US" dirty="0" smtClean="0"/>
+              <a:t>at rest</a:t>
             </a:r>
           </a:p>
           <a:p>
@@ -3313,17 +3328,37 @@
           <a:p>
             <a:r>
               <a:rPr lang="en-US" dirty="0" smtClean="0"/>
-              <a:t>In both cases, the keys protecting the content are protected </a:t>
-            </a:r>
-            <a:r>
-              <a:rPr lang="en-US" b="1" dirty="0" smtClean="0"/>
-              <a:t>the same way</a:t>
-            </a:r>
-          </a:p>
-          <a:p>
-            <a:r>
-              <a:rPr lang="en-US" dirty="0" smtClean="0"/>
-              <a:t>Ergo, transporting data without forward secrecy is distinctly less secure </a:t>
+              <a:t>The </a:t>
+            </a:r>
+            <a:r>
+              <a:rPr lang="en-US" dirty="0" smtClean="0"/>
+              <a:t>keys protecting the content </a:t>
+            </a:r>
+            <a:r>
+              <a:rPr lang="en-US" dirty="0" smtClean="0"/>
+              <a:t>at rest are </a:t>
+            </a:r>
+            <a:r>
+              <a:rPr lang="en-US" dirty="0" smtClean="0"/>
+              <a:t>protected the same way</a:t>
+            </a:r>
+          </a:p>
+          <a:p>
+            <a:r>
+              <a:rPr lang="en-US" dirty="0" smtClean="0"/>
+              <a:t>So, t</a:t>
+            </a:r>
+            <a:r>
+              <a:rPr lang="en-US" dirty="0" smtClean="0"/>
+              <a:t>ransporting </a:t>
+            </a:r>
+            <a:r>
+              <a:rPr lang="en-US" dirty="0" smtClean="0"/>
+              <a:t>data without forward secrecy is distinctly less </a:t>
+            </a:r>
+            <a:r>
+              <a:rPr lang="en-US" dirty="0" smtClean="0"/>
+              <a:t>secure</a:t>
             </a:r>
             <a:endParaRPr lang="en-US" dirty="0"/>
           </a:p>
@@ -3381,6 +3416,13 @@
   <p:clrMapOvr>
     <a:masterClrMapping/>
   </p:clrMapOvr>
+  <p:timing>
+    <p:tnLst>
+      <p:par>
+        <p:cTn xmlns:p14="http://schemas.microsoft.com/office/powerpoint/2010/main" id="1" dur="indefinite" restart="never" nodeType="tmRoot"/>
+      </p:par>
+    </p:tnLst>
+  </p:timing>
 </p:sld>
 </file>
 
@@ -3499,6 +3541,13 @@
   <p:clrMapOvr>
     <a:masterClrMapping/>
   </p:clrMapOvr>
+  <p:timing>
+    <p:tnLst>
+      <p:par>
+        <p:cTn xmlns:p14="http://schemas.microsoft.com/office/powerpoint/2010/main" id="1" dur="indefinite" restart="never" nodeType="tmRoot"/>
+      </p:par>
+    </p:tnLst>
+  </p:timing>
 </p:sld>
 </file>
 
@@ -3740,6 +3789,13 @@
   <p:clrMapOvr>
     <a:masterClrMapping/>
   </p:clrMapOvr>
+  <p:timing>
+    <p:tnLst>
+      <p:par>
+        <p:cTn xmlns:p14="http://schemas.microsoft.com/office/powerpoint/2010/main" id="1" dur="indefinite" restart="never" nodeType="tmRoot"/>
+      </p:par>
+    </p:tnLst>
+  </p:timing>
 </p:sld>
 </file>
 
@@ -3799,6 +3855,13 @@
   <p:clrMapOvr>
     <a:masterClrMapping/>
   </p:clrMapOvr>
+  <p:timing>
+    <p:tnLst>
+      <p:par>
+        <p:cTn xmlns:p14="http://schemas.microsoft.com/office/powerpoint/2010/main" id="1" dur="indefinite" restart="never" nodeType="tmRoot"/>
+      </p:par>
+    </p:tnLst>
+  </p:timing>
 </p:sld>
 </file>
 
@@ -3855,6 +3918,13 @@
   <p:clrMapOvr>
     <a:masterClrMapping/>
   </p:clrMapOvr>
+  <p:timing>
+    <p:tnLst>
+      <p:par>
+        <p:cTn xmlns:p14="http://schemas.microsoft.com/office/powerpoint/2010/main" id="1" dur="indefinite" restart="never" nodeType="tmRoot"/>
+      </p:par>
+    </p:tnLst>
+  </p:timing>
 </p:sld>
 </file>
 
@@ -3895,11 +3965,7 @@
             <a:pPr algn="l"/>
             <a:r>
               <a:rPr lang="en-US" dirty="0" smtClean="0"/>
-              <a:t>Q3) </a:t>
-            </a:r>
-            <a:r>
-              <a:rPr lang="en-US" dirty="0" smtClean="0"/>
-              <a:t>Forward Secrecy in ICN?</a:t>
+              <a:t>Q3) Forward Secrecy in ICN?</a:t>
             </a:r>
             <a:br>
               <a:rPr lang="en-US" dirty="0" smtClean="0"/>
@@ -3940,6 +4006,13 @@
   <p:clrMapOvr>
     <a:masterClrMapping/>
   </p:clrMapOvr>
+  <p:timing>
+    <p:tnLst>
+      <p:par>
+        <p:cTn xmlns:p14="http://schemas.microsoft.com/office/powerpoint/2010/main" id="1" dur="indefinite" restart="never" nodeType="tmRoot"/>
+      </p:par>
+    </p:tnLst>
+  </p:timing>
 </p:sld>
 </file>
 
@@ -4005,7 +4078,11 @@
             </a:pPr>
             <a:r>
               <a:rPr lang="en-US" b="1" dirty="0" smtClean="0"/>
-              <a:t>Definition:</a:t>
+              <a:t>Loose Definition</a:t>
+            </a:r>
+            <a:r>
+              <a:rPr lang="en-US" b="1" dirty="0" smtClean="0"/>
+              <a:t>:</a:t>
             </a:r>
             <a:r>
               <a:rPr lang="en-US" dirty="0" smtClean="0"/>
@@ -4056,6 +4133,13 @@
   <p:clrMapOvr>
     <a:masterClrMapping/>
   </p:clrMapOvr>
+  <p:timing>
+    <p:tnLst>
+      <p:par>
+        <p:cTn xmlns:p14="http://schemas.microsoft.com/office/powerpoint/2010/main" id="1" dur="indefinite" restart="never" nodeType="tmRoot"/>
+      </p:par>
+    </p:tnLst>
+  </p:timing>
 </p:sld>
 </file>
 
@@ -4182,6 +4266,13 @@
   <p:clrMapOvr>
     <a:masterClrMapping/>
   </p:clrMapOvr>
+  <p:timing>
+    <p:tnLst>
+      <p:par>
+        <p:cTn xmlns:p14="http://schemas.microsoft.com/office/powerpoint/2010/main" id="1" dur="indefinite" restart="never" nodeType="tmRoot"/>
+      </p:par>
+    </p:tnLst>
+  </p:timing>
 </p:sld>
 </file>
 
@@ -5439,6 +5530,13 @@
   <p:clrMapOvr>
     <a:masterClrMapping/>
   </p:clrMapOvr>
+  <p:timing>
+    <p:tnLst>
+      <p:par>
+        <p:cTn xmlns:p14="http://schemas.microsoft.com/office/powerpoint/2010/main" id="1" dur="indefinite" restart="never" nodeType="tmRoot"/>
+      </p:par>
+    </p:tnLst>
+  </p:timing>
 </p:sld>
 </file>
 
@@ -5530,6 +5628,13 @@
   <p:clrMapOvr>
     <a:masterClrMapping/>
   </p:clrMapOvr>
+  <p:timing>
+    <p:tnLst>
+      <p:par>
+        <p:cTn xmlns:p14="http://schemas.microsoft.com/office/powerpoint/2010/main" id="1" dur="indefinite" restart="never" nodeType="tmRoot"/>
+      </p:par>
+    </p:tnLst>
+  </p:timing>
 </p:sld>
 </file>
 
@@ -5667,6 +5772,13 @@
   <p:clrMapOvr>
     <a:masterClrMapping/>
   </p:clrMapOvr>
+  <p:timing>
+    <p:tnLst>
+      <p:par>
+        <p:cTn xmlns:p14="http://schemas.microsoft.com/office/powerpoint/2010/main" id="1" dur="indefinite" restart="never" nodeType="tmRoot"/>
+      </p:par>
+    </p:tnLst>
+  </p:timing>
 </p:sld>
 </file>
 
@@ -6110,6 +6222,13 @@
   <p:clrMapOvr>
     <a:masterClrMapping/>
   </p:clrMapOvr>
+  <p:timing>
+    <p:tnLst>
+      <p:par>
+        <p:cTn xmlns:p14="http://schemas.microsoft.com/office/powerpoint/2010/main" id="1" dur="indefinite" restart="never" nodeType="tmRoot"/>
+      </p:par>
+    </p:tnLst>
+  </p:timing>
 </p:sld>
 </file>
 
@@ -6170,11 +6289,7 @@
           <a:p>
             <a:r>
               <a:rPr lang="en-US" dirty="0" smtClean="0"/>
-              <a:t>If ICN is to be used for “Internet </a:t>
-            </a:r>
-            <a:r>
-              <a:rPr lang="en-US" dirty="0" smtClean="0"/>
-              <a:t>or </a:t>
+              <a:t>If ICN is to be used for “Internet or </a:t>
             </a:r>
             <a:r>
               <a:rPr lang="en-US" dirty="0" err="1" smtClean="0"/>
@@ -6182,15 +6297,7 @@
             </a:r>
             <a:r>
               <a:rPr lang="en-US" dirty="0" smtClean="0"/>
-              <a:t> applications</a:t>
-            </a:r>
-            <a:r>
-              <a:rPr lang="en-US" dirty="0" smtClean="0"/>
-              <a:t>,” then it </a:t>
-            </a:r>
-            <a:r>
-              <a:rPr lang="en-US" dirty="0" smtClean="0"/>
-              <a:t>should at least be at parity with current Internet protocols</a:t>
+              <a:t> applications,” then it should at least be at parity with current Internet protocols</a:t>
             </a:r>
           </a:p>
           <a:p>
@@ -6199,7 +6306,6 @@
               <a:rPr lang="en-US" dirty="0" smtClean="0"/>
               <a:t>What else will it be used for?...</a:t>
             </a:r>
-            <a:endParaRPr lang="en-US" dirty="0" smtClean="0"/>
           </a:p>
           <a:p>
             <a:r>
@@ -6234,14 +6340,21 @@
   <p:clrMapOvr>
     <a:masterClrMapping/>
   </p:clrMapOvr>
-  <mc:AlternateContent xmlns:mc="http://schemas.openxmlformats.org/markup-compatibility/2006">
-    <mc:Choice xmlns:p14="http://schemas.microsoft.com/office/powerpoint/2010/main" Requires="p14">
+  <mc:AlternateContent xmlns:mc="http://schemas.openxmlformats.org/markup-compatibility/2006" xmlns:p14="http://schemas.microsoft.com/office/powerpoint/2010/main">
+    <mc:Choice Requires="p14">
       <p:transition spd="slow" p14:dur="2000"/>
     </mc:Choice>
-    <mc:Fallback>
+    <mc:Fallback xmlns="">
       <p:transition xmlns:p14="http://schemas.microsoft.com/office/powerpoint/2010/main" spd="slow"/>
     </mc:Fallback>
   </mc:AlternateContent>
+  <p:timing>
+    <p:tnLst>
+      <p:par>
+        <p:cTn xmlns:p14="http://schemas.microsoft.com/office/powerpoint/2010/main" id="1" dur="indefinite" restart="never" nodeType="tmRoot"/>
+      </p:par>
+    </p:tnLst>
+  </p:timing>
 </p:sld>
 </file>
 
@@ -6398,6 +6511,13 @@
   <p:clrMapOvr>
     <a:masterClrMapping/>
   </p:clrMapOvr>
+  <p:timing>
+    <p:tnLst>
+      <p:par>
+        <p:cTn xmlns:p14="http://schemas.microsoft.com/office/powerpoint/2010/main" id="1" dur="indefinite" restart="never" nodeType="tmRoot"/>
+      </p:par>
+    </p:tnLst>
+  </p:timing>
 </p:sld>
 </file>
 
